--- a/AD 프로젝트 발표자료.pptx
+++ b/AD 프로젝트 발표자료.pptx
@@ -5854,7 +5854,7 @@
                   </a:schemeClr>
                 </a:solidFill>
               </a:rPr>
-              <a:t>or </a:t>
+              <a:t>+ </a:t>
             </a:r>
             <a:r>
               <a:rPr lang="ko-KR" altLang="en-US" sz="1400" dirty="0">
@@ -5865,7 +5865,7 @@
                   </a:schemeClr>
                 </a:solidFill>
               </a:rPr>
-              <a:t>기타 넣고 싶은 정보</a:t>
+              <a:t>역할</a:t>
             </a:r>
           </a:p>
         </p:txBody>
@@ -5879,7 +5879,7 @@
         <p:spPr>
           <a:xfrm>
             <a:off x="214282" y="1785926"/>
-            <a:ext cx="723275" cy="307777"/>
+            <a:ext cx="543739" cy="307777"/>
           </a:xfrm>
           <a:prstGeom prst="rect">
             <a:avLst/>
@@ -5901,7 +5901,7 @@
                   </a:schemeClr>
                 </a:solidFill>
               </a:rPr>
-              <a:t>발표자</a:t>
+              <a:t>조원</a:t>
             </a:r>
           </a:p>
         </p:txBody>
@@ -6078,8 +6078,8 @@
         </p:nvSpPr>
         <p:spPr>
           <a:xfrm>
-            <a:off x="3923928" y="2357430"/>
-            <a:ext cx="4942290" cy="696552"/>
+            <a:off x="3923928" y="2357429"/>
+            <a:ext cx="4942290" cy="761459"/>
           </a:xfrm>
           <a:prstGeom prst="wedgeRoundRectCallout">
             <a:avLst>
@@ -6170,6 +6170,38 @@
                 </a:solidFill>
               </a:rPr>
               <a:t>모듈간 커넥션 구성</a:t>
+            </a:r>
+            <a:endParaRPr lang="en-US" altLang="ko-KR" sz="2000" dirty="0">
+              <a:solidFill>
+                <a:schemeClr val="tx1"/>
+              </a:solidFill>
+            </a:endParaRPr>
+          </a:p>
+          <a:p>
+            <a:pPr algn="ctr"/>
+            <a:r>
+              <a:rPr lang="ko-KR" altLang="en-US" sz="2000" dirty="0">
+                <a:solidFill>
+                  <a:schemeClr val="tx1"/>
+                </a:solidFill>
+              </a:rPr>
+              <a:t>보고서 작성</a:t>
+            </a:r>
+            <a:r>
+              <a:rPr lang="en-US" altLang="ko-KR" sz="2000" dirty="0">
+                <a:solidFill>
+                  <a:schemeClr val="tx1"/>
+                </a:solidFill>
+              </a:rPr>
+              <a:t>, </a:t>
+            </a:r>
+            <a:r>
+              <a:rPr lang="ko-KR" altLang="en-US" sz="2000" dirty="0">
+                <a:solidFill>
+                  <a:schemeClr val="tx1"/>
+                </a:solidFill>
+              </a:rPr>
+              <a:t>발표</a:t>
             </a:r>
             <a:endParaRPr lang="en-US" altLang="ko-KR" sz="2000" dirty="0">
               <a:solidFill>
@@ -6545,6 +6577,38 @@
                 </a:solidFill>
               </a:rPr>
               <a:t>구현</a:t>
+            </a:r>
+            <a:endParaRPr lang="en-US" altLang="ko-KR" sz="2000" dirty="0">
+              <a:solidFill>
+                <a:schemeClr val="tx1"/>
+              </a:solidFill>
+            </a:endParaRPr>
+          </a:p>
+          <a:p>
+            <a:pPr algn="ctr"/>
+            <a:r>
+              <a:rPr lang="ko-KR" altLang="en-US" sz="2000" dirty="0">
+                <a:solidFill>
+                  <a:schemeClr val="tx1"/>
+                </a:solidFill>
+              </a:rPr>
+              <a:t>보고서 작성</a:t>
+            </a:r>
+            <a:r>
+              <a:rPr lang="en-US" altLang="ko-KR" sz="2000" dirty="0">
+                <a:solidFill>
+                  <a:schemeClr val="tx1"/>
+                </a:solidFill>
+              </a:rPr>
+              <a:t>, PPT</a:t>
+            </a:r>
+            <a:r>
+              <a:rPr lang="ko-KR" altLang="en-US" sz="2000" dirty="0">
+                <a:solidFill>
+                  <a:schemeClr val="tx1"/>
+                </a:solidFill>
+              </a:rPr>
+              <a:t> </a:t>
             </a:r>
           </a:p>
         </p:txBody>
